--- a/thesis/analysis/graphs/fitTm.pptx
+++ b/thesis/analysis/graphs/fitTm.pptx
@@ -141,7 +141,7 @@
           <c:order val="0"/>
           <c:tx>
             <c:strRef>
-              <c:f>Sheet2!$B$1</c:f>
+              <c:f>Sheet2!$D$1</c:f>
               <c:strCache>
                 <c:ptCount val="1"/>
                 <c:pt idx="0">
@@ -151,7 +151,7 @@
             </c:strRef>
           </c:tx>
           <c:spPr>
-            <a:ln w="19050" cap="rnd">
+            <a:ln w="25400" cap="rnd">
               <a:noFill/>
               <a:round/>
             </a:ln>
@@ -159,7 +159,7 @@
           </c:spPr>
           <c:marker>
             <c:symbol val="circle"/>
-            <c:size val="7"/>
+            <c:size val="5"/>
             <c:spPr>
               <a:solidFill>
                 <a:schemeClr val="accent1"/>
@@ -308,93 +308,93 @@
           </c:xVal>
           <c:yVal>
             <c:numRef>
-              <c:f>Sheet2!$B$2:$B$36</c:f>
+              <c:f>Sheet2!$D$2:$D$36</c:f>
               <c:numCache>
                 <c:formatCode>General</c:formatCode>
                 <c:ptCount val="35"/>
                 <c:pt idx="0">
-                  <c:v>267.63</c:v>
+                  <c:v>-5.5199999999999818</c:v>
                 </c:pt>
                 <c:pt idx="1">
-                  <c:v>265.08999999999997</c:v>
+                  <c:v>-8.0600000000000023</c:v>
                 </c:pt>
                 <c:pt idx="4">
-                  <c:v>268.14999999999998</c:v>
+                  <c:v>-5</c:v>
                 </c:pt>
                 <c:pt idx="6">
-                  <c:v>271.16999999999996</c:v>
+                  <c:v>-1.9800000000000182</c:v>
                 </c:pt>
                 <c:pt idx="8">
-                  <c:v>271.37</c:v>
+                  <c:v>-1.7799999999999727</c:v>
                 </c:pt>
                 <c:pt idx="10">
-                  <c:v>273.67999999999995</c:v>
+                  <c:v>0.52999999999997272</c:v>
                 </c:pt>
                 <c:pt idx="11">
-                  <c:v>274.19</c:v>
+                  <c:v>1.0400000000000205</c:v>
                 </c:pt>
                 <c:pt idx="12">
-                  <c:v>274.47999999999996</c:v>
+                  <c:v>1.3299999999999841</c:v>
                 </c:pt>
                 <c:pt idx="13">
-                  <c:v>278.31</c:v>
+                  <c:v>5.160000000000025</c:v>
                 </c:pt>
                 <c:pt idx="14">
-                  <c:v>280.40999999999997</c:v>
+                  <c:v>7.2599999999999909</c:v>
                 </c:pt>
                 <c:pt idx="15">
-                  <c:v>284.12</c:v>
+                  <c:v>10.970000000000027</c:v>
                 </c:pt>
                 <c:pt idx="16">
-                  <c:v>284.69</c:v>
+                  <c:v>11.54000000000002</c:v>
                 </c:pt>
                 <c:pt idx="17">
-                  <c:v>280.64</c:v>
+                  <c:v>7.4900000000000091</c:v>
                 </c:pt>
                 <c:pt idx="19">
-                  <c:v>280.89999999999998</c:v>
+                  <c:v>7.75</c:v>
                 </c:pt>
                 <c:pt idx="20">
-                  <c:v>279.52999999999997</c:v>
+                  <c:v>6.3799999999999955</c:v>
                 </c:pt>
                 <c:pt idx="21">
-                  <c:v>284.33999999999997</c:v>
+                  <c:v>11.189999999999998</c:v>
                 </c:pt>
                 <c:pt idx="22">
-                  <c:v>280.23999999999995</c:v>
+                  <c:v>7.089999999999975</c:v>
                 </c:pt>
                 <c:pt idx="23">
-                  <c:v>279.78999999999996</c:v>
+                  <c:v>6.6399999999999864</c:v>
                 </c:pt>
                 <c:pt idx="24">
-                  <c:v>277.08</c:v>
+                  <c:v>3.9300000000000068</c:v>
                 </c:pt>
                 <c:pt idx="25">
-                  <c:v>278.16999999999996</c:v>
+                  <c:v>5.0199999999999818</c:v>
                 </c:pt>
                 <c:pt idx="26">
-                  <c:v>286.92999999999995</c:v>
+                  <c:v>13.779999999999973</c:v>
                 </c:pt>
                 <c:pt idx="27">
-                  <c:v>286.48999999999995</c:v>
+                  <c:v>13.339999999999975</c:v>
                 </c:pt>
                 <c:pt idx="28">
-                  <c:v>285.31</c:v>
+                  <c:v>12.160000000000025</c:v>
                 </c:pt>
                 <c:pt idx="29">
-                  <c:v>288.45999999999998</c:v>
+                  <c:v>15.310000000000002</c:v>
                 </c:pt>
                 <c:pt idx="30">
-                  <c:v>289.06</c:v>
+                  <c:v>15.910000000000025</c:v>
                 </c:pt>
                 <c:pt idx="32">
-                  <c:v>290.14</c:v>
+                  <c:v>16.990000000000009</c:v>
                 </c:pt>
                 <c:pt idx="33">
-                  <c:v>291.01</c:v>
+                  <c:v>17.860000000000014</c:v>
                 </c:pt>
                 <c:pt idx="34">
-                  <c:v>292.2</c:v>
+                  <c:v>19.050000000000011</c:v>
                 </c:pt>
               </c:numCache>
             </c:numRef>
@@ -402,7 +402,7 @@
           <c:smooth val="0"/>
           <c:extLst>
             <c:ext xmlns:c16="http://schemas.microsoft.com/office/drawing/2014/chart" uri="{C3380CC4-5D6E-409C-BE32-E72D297353CC}">
-              <c16:uniqueId val="{00000000-EE90-AB41-B50C-2DC349E62541}"/>
+              <c16:uniqueId val="{00000000-EF57-4748-823E-0833C73D197A}"/>
             </c:ext>
           </c:extLst>
         </c:ser>
@@ -411,7 +411,7 @@
           <c:order val="1"/>
           <c:tx>
             <c:strRef>
-              <c:f>Sheet2!$C$1</c:f>
+              <c:f>Sheet2!$E$1</c:f>
               <c:strCache>
                 <c:ptCount val="1"/>
                 <c:pt idx="0">
@@ -429,7 +429,7 @@
           </c:spPr>
           <c:marker>
             <c:symbol val="triangle"/>
-            <c:size val="7"/>
+            <c:size val="5"/>
             <c:spPr>
               <a:solidFill>
                 <a:srgbClr val="FF0000"/>
@@ -578,48 +578,48 @@
           </c:xVal>
           <c:yVal>
             <c:numRef>
-              <c:f>Sheet2!$C$2:$C$36</c:f>
+              <c:f>Sheet2!$E$2:$E$36</c:f>
               <c:numCache>
                 <c:formatCode>General</c:formatCode>
                 <c:ptCount val="35"/>
                 <c:pt idx="0">
-                  <c:v>275.76</c:v>
+                  <c:v>2.6100000000000136</c:v>
                 </c:pt>
                 <c:pt idx="1">
-                  <c:v>276.85999999999996</c:v>
+                  <c:v>3.7099999999999795</c:v>
                 </c:pt>
                 <c:pt idx="3">
-                  <c:v>279.01</c:v>
+                  <c:v>5.8600000000000136</c:v>
                 </c:pt>
                 <c:pt idx="4">
-                  <c:v>280.72999999999996</c:v>
+                  <c:v>7.5799999999999841</c:v>
                 </c:pt>
                 <c:pt idx="5">
-                  <c:v>280.45999999999998</c:v>
+                  <c:v>7.3100000000000023</c:v>
                 </c:pt>
                 <c:pt idx="7">
-                  <c:v>281.23999999999995</c:v>
+                  <c:v>8.089999999999975</c:v>
                 </c:pt>
                 <c:pt idx="10">
-                  <c:v>285.60999999999996</c:v>
+                  <c:v>12.45999999999998</c:v>
                 </c:pt>
                 <c:pt idx="15">
-                  <c:v>291.60999999999996</c:v>
+                  <c:v>18.45999999999998</c:v>
                 </c:pt>
                 <c:pt idx="16">
-                  <c:v>289.76</c:v>
+                  <c:v>16.610000000000014</c:v>
                 </c:pt>
                 <c:pt idx="21">
-                  <c:v>294.02999999999997</c:v>
+                  <c:v>20.879999999999995</c:v>
                 </c:pt>
                 <c:pt idx="23">
-                  <c:v>294.2</c:v>
+                  <c:v>21.050000000000011</c:v>
                 </c:pt>
                 <c:pt idx="24">
-                  <c:v>294.65999999999997</c:v>
+                  <c:v>21.509999999999991</c:v>
                 </c:pt>
                 <c:pt idx="30">
-                  <c:v>294.89</c:v>
+                  <c:v>21.740000000000009</c:v>
                 </c:pt>
               </c:numCache>
             </c:numRef>
@@ -627,7 +627,7 @@
           <c:smooth val="0"/>
           <c:extLst>
             <c:ext xmlns:c16="http://schemas.microsoft.com/office/drawing/2014/chart" uri="{C3380CC4-5D6E-409C-BE32-E72D297353CC}">
-              <c16:uniqueId val="{00000001-EE90-AB41-B50C-2DC349E62541}"/>
+              <c16:uniqueId val="{00000001-EF57-4748-823E-0833C73D197A}"/>
             </c:ext>
           </c:extLst>
         </c:ser>
@@ -734,15 +734,15 @@
           </a:p>
         </c:txPr>
         <c:crossAx val="564097416"/>
-        <c:crosses val="autoZero"/>
+        <c:crossesAt val="-20"/>
         <c:crossBetween val="midCat"/>
       </c:valAx>
       <c:valAx>
         <c:axId val="564097416"/>
         <c:scaling>
           <c:orientation val="minMax"/>
-          <c:max val="305"/>
-          <c:min val="250"/>
+          <c:max val="30"/>
+          <c:min val="-20"/>
         </c:scaling>
         <c:delete val="0"/>
         <c:axPos val="l"/>
@@ -854,6 +854,7 @@
         <c:crossAx val="564104632"/>
         <c:crosses val="autoZero"/>
         <c:crossBetween val="midCat"/>
+        <c:majorUnit val="10"/>
       </c:valAx>
       <c:spPr>
         <a:noFill/>
@@ -9510,7 +9511,7 @@
           <a:p>
             <a:fld id="{2EFC6DF7-F955-2C49-99FE-ADCCEAEC1106}" type="datetimeFigureOut">
               <a:rPr lang="en-US" smtClean="0"/>
-              <a:t>9/21/18</a:t>
+              <a:t>11/9/2018</a:t>
             </a:fld>
             <a:endParaRPr lang="en-US"/>
           </a:p>
@@ -9708,7 +9709,7 @@
           <a:p>
             <a:fld id="{2EFC6DF7-F955-2C49-99FE-ADCCEAEC1106}" type="datetimeFigureOut">
               <a:rPr lang="en-US" smtClean="0"/>
-              <a:t>9/21/18</a:t>
+              <a:t>11/9/2018</a:t>
             </a:fld>
             <a:endParaRPr lang="en-US"/>
           </a:p>
@@ -9916,7 +9917,7 @@
           <a:p>
             <a:fld id="{2EFC6DF7-F955-2C49-99FE-ADCCEAEC1106}" type="datetimeFigureOut">
               <a:rPr lang="en-US" smtClean="0"/>
-              <a:t>9/21/18</a:t>
+              <a:t>11/9/2018</a:t>
             </a:fld>
             <a:endParaRPr lang="en-US"/>
           </a:p>
@@ -10114,7 +10115,7 @@
           <a:p>
             <a:fld id="{2EFC6DF7-F955-2C49-99FE-ADCCEAEC1106}" type="datetimeFigureOut">
               <a:rPr lang="en-US" smtClean="0"/>
-              <a:t>9/21/18</a:t>
+              <a:t>11/9/2018</a:t>
             </a:fld>
             <a:endParaRPr lang="en-US"/>
           </a:p>
@@ -10389,7 +10390,7 @@
           <a:p>
             <a:fld id="{2EFC6DF7-F955-2C49-99FE-ADCCEAEC1106}" type="datetimeFigureOut">
               <a:rPr lang="en-US" smtClean="0"/>
-              <a:t>9/21/18</a:t>
+              <a:t>11/9/2018</a:t>
             </a:fld>
             <a:endParaRPr lang="en-US"/>
           </a:p>
@@ -10654,7 +10655,7 @@
           <a:p>
             <a:fld id="{2EFC6DF7-F955-2C49-99FE-ADCCEAEC1106}" type="datetimeFigureOut">
               <a:rPr lang="en-US" smtClean="0"/>
-              <a:t>9/21/18</a:t>
+              <a:t>11/9/2018</a:t>
             </a:fld>
             <a:endParaRPr lang="en-US"/>
           </a:p>
@@ -11066,7 +11067,7 @@
           <a:p>
             <a:fld id="{2EFC6DF7-F955-2C49-99FE-ADCCEAEC1106}" type="datetimeFigureOut">
               <a:rPr lang="en-US" smtClean="0"/>
-              <a:t>9/21/18</a:t>
+              <a:t>11/9/2018</a:t>
             </a:fld>
             <a:endParaRPr lang="en-US"/>
           </a:p>
@@ -11207,7 +11208,7 @@
           <a:p>
             <a:fld id="{2EFC6DF7-F955-2C49-99FE-ADCCEAEC1106}" type="datetimeFigureOut">
               <a:rPr lang="en-US" smtClean="0"/>
-              <a:t>9/21/18</a:t>
+              <a:t>11/9/2018</a:t>
             </a:fld>
             <a:endParaRPr lang="en-US"/>
           </a:p>
@@ -11320,7 +11321,7 @@
           <a:p>
             <a:fld id="{2EFC6DF7-F955-2C49-99FE-ADCCEAEC1106}" type="datetimeFigureOut">
               <a:rPr lang="en-US" smtClean="0"/>
-              <a:t>9/21/18</a:t>
+              <a:t>11/9/2018</a:t>
             </a:fld>
             <a:endParaRPr lang="en-US"/>
           </a:p>
@@ -11631,7 +11632,7 @@
           <a:p>
             <a:fld id="{2EFC6DF7-F955-2C49-99FE-ADCCEAEC1106}" type="datetimeFigureOut">
               <a:rPr lang="en-US" smtClean="0"/>
-              <a:t>9/21/18</a:t>
+              <a:t>11/9/2018</a:t>
             </a:fld>
             <a:endParaRPr lang="en-US"/>
           </a:p>
@@ -11919,7 +11920,7 @@
           <a:p>
             <a:fld id="{2EFC6DF7-F955-2C49-99FE-ADCCEAEC1106}" type="datetimeFigureOut">
               <a:rPr lang="en-US" smtClean="0"/>
-              <a:t>9/21/18</a:t>
+              <a:t>11/9/2018</a:t>
             </a:fld>
             <a:endParaRPr lang="en-US"/>
           </a:p>
@@ -12160,7 +12161,7 @@
           <a:p>
             <a:fld id="{2EFC6DF7-F955-2C49-99FE-ADCCEAEC1106}" type="datetimeFigureOut">
               <a:rPr lang="en-US" smtClean="0"/>
-              <a:t>9/21/18</a:t>
+              <a:t>11/9/2018</a:t>
             </a:fld>
             <a:endParaRPr lang="en-US"/>
           </a:p>
@@ -12579,10 +12580,10 @@
       </p:grpSpPr>
       <p:graphicFrame>
         <p:nvGraphicFramePr>
-          <p:cNvPr id="5" name="Chart 4">
+          <p:cNvPr id="3" name="Chart 2">
             <a:extLst>
               <a:ext uri="{FF2B5EF4-FFF2-40B4-BE49-F238E27FC236}">
-                <a16:creationId xmlns:a16="http://schemas.microsoft.com/office/drawing/2014/main" id="{CCF41D70-38A6-F541-811B-AF027AF16F22}"/>
+                <a16:creationId xmlns:a16="http://schemas.microsoft.com/office/drawing/2014/main" id="{6A04F238-034A-40C8-B838-199A833C0F9A}"/>
               </a:ext>
             </a:extLst>
           </p:cNvPr>
@@ -12592,14 +12593,14 @@
           <p:nvPr>
             <p:extLst>
               <p:ext uri="{D42A27DB-BD31-4B8C-83A1-F6EECF244321}">
-                <p14:modId xmlns:p14="http://schemas.microsoft.com/office/powerpoint/2010/main" val="2490495035"/>
+                <p14:modId xmlns:p14="http://schemas.microsoft.com/office/powerpoint/2010/main" val="3209922647"/>
               </p:ext>
             </p:extLst>
           </p:nvPr>
         </p:nvGraphicFramePr>
         <p:xfrm>
-          <a:off x="1847625" y="1600200"/>
-          <a:ext cx="7504193" cy="4745150"/>
+          <a:off x="2312887" y="1095023"/>
+          <a:ext cx="7260091" cy="4889083"/>
         </p:xfrm>
         <a:graphic>
           <a:graphicData uri="http://schemas.openxmlformats.org/drawingml/2006/chart">
